--- a/img/figure_new.pptx
+++ b/img/figure_new.pptx
@@ -3386,43 +3386,6 @@
       </p:grpSpPr>
       <p:cxnSp>
         <p:nvCxnSpPr>
-          <p:cNvPr id="40" name="直線コネクタ 39"/>
-          <p:cNvCxnSpPr/>
-          <p:nvPr/>
-        </p:nvCxnSpPr>
-        <p:spPr>
-          <a:xfrm>
-            <a:off x="1206458" y="1973921"/>
-            <a:ext cx="354299" cy="0"/>
-          </a:xfrm>
-          <a:prstGeom prst="line">
-            <a:avLst/>
-          </a:prstGeom>
-          <a:ln>
-            <a:solidFill>
-              <a:schemeClr val="tx1"/>
-            </a:solidFill>
-            <a:prstDash val="sysDash"/>
-          </a:ln>
-          <a:effectLst/>
-        </p:spPr>
-        <p:style>
-          <a:lnRef idx="2">
-            <a:schemeClr val="accent1"/>
-          </a:lnRef>
-          <a:fillRef idx="0">
-            <a:schemeClr val="accent1"/>
-          </a:fillRef>
-          <a:effectRef idx="1">
-            <a:schemeClr val="accent1"/>
-          </a:effectRef>
-          <a:fontRef idx="minor">
-            <a:schemeClr val="tx1"/>
-          </a:fontRef>
-        </p:style>
-      </p:cxnSp>
-      <p:cxnSp>
-        <p:nvCxnSpPr>
           <p:cNvPr id="24" name="直線矢印コネクタ 23"/>
           <p:cNvCxnSpPr/>
           <p:nvPr/>
@@ -3441,43 +3404,6 @@
             </a:solidFill>
             <a:prstDash val="dash"/>
             <a:tailEnd type="arrow"/>
-          </a:ln>
-          <a:effectLst/>
-        </p:spPr>
-        <p:style>
-          <a:lnRef idx="2">
-            <a:schemeClr val="accent1"/>
-          </a:lnRef>
-          <a:fillRef idx="0">
-            <a:schemeClr val="accent1"/>
-          </a:fillRef>
-          <a:effectRef idx="1">
-            <a:schemeClr val="accent1"/>
-          </a:effectRef>
-          <a:fontRef idx="minor">
-            <a:schemeClr val="tx1"/>
-          </a:fontRef>
-        </p:style>
-      </p:cxnSp>
-      <p:cxnSp>
-        <p:nvCxnSpPr>
-          <p:cNvPr id="30" name="直線コネクタ 29"/>
-          <p:cNvCxnSpPr/>
-          <p:nvPr/>
-        </p:nvCxnSpPr>
-        <p:spPr>
-          <a:xfrm>
-            <a:off x="1206458" y="1487168"/>
-            <a:ext cx="918580" cy="0"/>
-          </a:xfrm>
-          <a:prstGeom prst="line">
-            <a:avLst/>
-          </a:prstGeom>
-          <a:ln>
-            <a:solidFill>
-              <a:schemeClr val="tx1"/>
-            </a:solidFill>
-            <a:prstDash val="sysDash"/>
           </a:ln>
           <a:effectLst/>
         </p:spPr>
@@ -4688,8 +4614,190 @@
         </p:nvCxnSpPr>
         <p:spPr>
           <a:xfrm flipV="1">
-            <a:off x="1548566" y="1963113"/>
-            <a:ext cx="12191" cy="1684210"/>
+            <a:off x="1548566" y="1933106"/>
+            <a:ext cx="12191" cy="1714217"/>
+          </a:xfrm>
+          <a:prstGeom prst="line">
+            <a:avLst/>
+          </a:prstGeom>
+          <a:ln>
+            <a:solidFill>
+              <a:schemeClr val="tx1"/>
+            </a:solidFill>
+            <a:prstDash val="sysDash"/>
+          </a:ln>
+          <a:effectLst/>
+        </p:spPr>
+        <p:style>
+          <a:lnRef idx="2">
+            <a:schemeClr val="accent1"/>
+          </a:lnRef>
+          <a:fillRef idx="0">
+            <a:schemeClr val="accent1"/>
+          </a:fillRef>
+          <a:effectRef idx="1">
+            <a:schemeClr val="accent1"/>
+          </a:effectRef>
+          <a:fontRef idx="minor">
+            <a:schemeClr val="tx1"/>
+          </a:fontRef>
+        </p:style>
+      </p:cxnSp>
+      <p:cxnSp>
+        <p:nvCxnSpPr>
+          <p:cNvPr id="30" name="直線コネクタ 29"/>
+          <p:cNvCxnSpPr/>
+          <p:nvPr/>
+        </p:nvCxnSpPr>
+        <p:spPr>
+          <a:xfrm>
+            <a:off x="974704" y="1487168"/>
+            <a:ext cx="1150334" cy="0"/>
+          </a:xfrm>
+          <a:prstGeom prst="line">
+            <a:avLst/>
+          </a:prstGeom>
+          <a:ln>
+            <a:solidFill>
+              <a:schemeClr val="tx1"/>
+            </a:solidFill>
+            <a:prstDash val="sysDash"/>
+          </a:ln>
+          <a:effectLst/>
+        </p:spPr>
+        <p:style>
+          <a:lnRef idx="2">
+            <a:schemeClr val="accent1"/>
+          </a:lnRef>
+          <a:fillRef idx="0">
+            <a:schemeClr val="accent1"/>
+          </a:fillRef>
+          <a:effectRef idx="1">
+            <a:schemeClr val="accent1"/>
+          </a:effectRef>
+          <a:fontRef idx="minor">
+            <a:schemeClr val="tx1"/>
+          </a:fontRef>
+        </p:style>
+      </p:cxnSp>
+      <p:sp>
+        <p:nvSpPr>
+          <p:cNvPr id="6" name="円/楕円 5"/>
+          <p:cNvSpPr/>
+          <p:nvPr/>
+        </p:nvSpPr>
+        <p:spPr>
+          <a:xfrm>
+            <a:off x="930403" y="1442867"/>
+            <a:ext cx="88602" cy="88602"/>
+          </a:xfrm>
+          <a:prstGeom prst="ellipse">
+            <a:avLst/>
+          </a:prstGeom>
+          <a:solidFill>
+            <a:schemeClr val="tx1">
+              <a:lumMod val="85000"/>
+              <a:lumOff val="15000"/>
+            </a:schemeClr>
+          </a:solidFill>
+          <a:ln>
+            <a:solidFill>
+              <a:schemeClr val="tx1">
+                <a:lumMod val="85000"/>
+                <a:lumOff val="15000"/>
+              </a:schemeClr>
+            </a:solidFill>
+          </a:ln>
+          <a:effectLst/>
+        </p:spPr>
+        <p:style>
+          <a:lnRef idx="1">
+            <a:schemeClr val="accent1"/>
+          </a:lnRef>
+          <a:fillRef idx="3">
+            <a:schemeClr val="accent1"/>
+          </a:fillRef>
+          <a:effectRef idx="2">
+            <a:schemeClr val="accent1"/>
+          </a:effectRef>
+          <a:fontRef idx="minor">
+            <a:schemeClr val="lt1"/>
+          </a:fontRef>
+        </p:style>
+        <p:txBody>
+          <a:bodyPr rtlCol="0" anchor="ctr"/>
+          <a:lstStyle/>
+          <a:p>
+            <a:pPr algn="ctr"/>
+            <a:endParaRPr kumimoji="1" lang="ja-JP" altLang="en-US" baseline="30000" dirty="0"/>
+          </a:p>
+        </p:txBody>
+      </p:sp>
+      <p:sp>
+        <p:nvSpPr>
+          <p:cNvPr id="39" name="円/楕円 38"/>
+          <p:cNvSpPr/>
+          <p:nvPr/>
+        </p:nvSpPr>
+        <p:spPr>
+          <a:xfrm>
+            <a:off x="930403" y="1913515"/>
+            <a:ext cx="88602" cy="88602"/>
+          </a:xfrm>
+          <a:prstGeom prst="ellipse">
+            <a:avLst/>
+          </a:prstGeom>
+          <a:solidFill>
+            <a:schemeClr val="tx1">
+              <a:lumMod val="85000"/>
+              <a:lumOff val="15000"/>
+            </a:schemeClr>
+          </a:solidFill>
+          <a:ln>
+            <a:solidFill>
+              <a:schemeClr val="tx1">
+                <a:lumMod val="85000"/>
+                <a:lumOff val="15000"/>
+              </a:schemeClr>
+            </a:solidFill>
+          </a:ln>
+          <a:effectLst/>
+        </p:spPr>
+        <p:style>
+          <a:lnRef idx="1">
+            <a:schemeClr val="accent1"/>
+          </a:lnRef>
+          <a:fillRef idx="3">
+            <a:schemeClr val="accent1"/>
+          </a:fillRef>
+          <a:effectRef idx="2">
+            <a:schemeClr val="accent1"/>
+          </a:effectRef>
+          <a:fontRef idx="minor">
+            <a:schemeClr val="lt1"/>
+          </a:fontRef>
+        </p:style>
+        <p:txBody>
+          <a:bodyPr rtlCol="0" anchor="ctr"/>
+          <a:lstStyle/>
+          <a:p>
+            <a:pPr algn="ctr"/>
+            <a:endParaRPr kumimoji="1" lang="ja-JP" altLang="en-US" baseline="30000" dirty="0"/>
+          </a:p>
+        </p:txBody>
+      </p:sp>
+      <p:cxnSp>
+        <p:nvCxnSpPr>
+          <p:cNvPr id="40" name="直線コネクタ 39"/>
+          <p:cNvCxnSpPr>
+            <a:stCxn id="39" idx="6"/>
+          </p:cNvCxnSpPr>
+          <p:nvPr/>
+        </p:nvCxnSpPr>
+        <p:spPr>
+          <a:xfrm>
+            <a:off x="1019005" y="1957816"/>
+            <a:ext cx="529561" cy="0"/>
           </a:xfrm>
           <a:prstGeom prst="line">
             <a:avLst/>
@@ -5448,15 +5556,15 @@
         <p:nvCxnSpPr>
           <p:cNvPr id="71" name="直線矢印コネクタ 70"/>
           <p:cNvCxnSpPr>
-            <a:stCxn id="46" idx="2"/>
+            <a:stCxn id="33" idx="4"/>
             <a:endCxn id="38" idx="0"/>
           </p:cNvCxnSpPr>
           <p:nvPr/>
         </p:nvCxnSpPr>
         <p:spPr>
           <a:xfrm flipH="1">
-            <a:off x="2574119" y="2541203"/>
-            <a:ext cx="547051" cy="2061182"/>
+            <a:off x="2574119" y="2346739"/>
+            <a:ext cx="547051" cy="2255646"/>
           </a:xfrm>
           <a:prstGeom prst="straightConnector1">
             <a:avLst/>
@@ -5489,14 +5597,14 @@
         <p:nvCxnSpPr>
           <p:cNvPr id="72" name="直線矢印コネクタ 71"/>
           <p:cNvCxnSpPr>
-            <a:stCxn id="47" idx="2"/>
+            <a:stCxn id="36" idx="4"/>
           </p:cNvCxnSpPr>
           <p:nvPr/>
         </p:nvCxnSpPr>
         <p:spPr>
           <a:xfrm flipH="1">
-            <a:off x="2694972" y="2541203"/>
-            <a:ext cx="1022508" cy="3003968"/>
+            <a:off x="2694974" y="2344019"/>
+            <a:ext cx="1023291" cy="3201152"/>
           </a:xfrm>
           <a:prstGeom prst="straightConnector1">
             <a:avLst/>
@@ -5802,15 +5910,15 @@
         <p:nvCxnSpPr>
           <p:cNvPr id="82" name="直線矢印コネクタ 81"/>
           <p:cNvCxnSpPr>
-            <a:stCxn id="77" idx="2"/>
+            <a:stCxn id="35" idx="4"/>
             <a:endCxn id="39" idx="0"/>
           </p:cNvCxnSpPr>
           <p:nvPr/>
         </p:nvCxnSpPr>
         <p:spPr>
           <a:xfrm flipH="1">
-            <a:off x="3376711" y="2538483"/>
-            <a:ext cx="2717857" cy="2063902"/>
+            <a:off x="3376711" y="2344019"/>
+            <a:ext cx="2717857" cy="2258366"/>
           </a:xfrm>
           <a:prstGeom prst="straightConnector1">
             <a:avLst/>
@@ -5843,15 +5951,15 @@
         <p:nvCxnSpPr>
           <p:cNvPr id="83" name="直線矢印コネクタ 82"/>
           <p:cNvCxnSpPr>
-            <a:stCxn id="81" idx="2"/>
+            <a:stCxn id="42" idx="4"/>
             <a:endCxn id="50" idx="0"/>
           </p:cNvCxnSpPr>
           <p:nvPr/>
         </p:nvCxnSpPr>
         <p:spPr>
           <a:xfrm flipH="1">
-            <a:off x="3376711" y="2538483"/>
-            <a:ext cx="3314167" cy="3006688"/>
+            <a:off x="3376711" y="2346739"/>
+            <a:ext cx="3312735" cy="3198432"/>
           </a:xfrm>
           <a:prstGeom prst="straightConnector1">
             <a:avLst/>
@@ -6098,6 +6206,218 @@
           </a:fontRef>
         </p:style>
       </p:cxnSp>
+      <p:sp>
+        <p:nvSpPr>
+          <p:cNvPr id="33" name="円/楕円 32"/>
+          <p:cNvSpPr/>
+          <p:nvPr/>
+        </p:nvSpPr>
+        <p:spPr>
+          <a:xfrm>
+            <a:off x="3076869" y="2258137"/>
+            <a:ext cx="88602" cy="88602"/>
+          </a:xfrm>
+          <a:prstGeom prst="ellipse">
+            <a:avLst/>
+          </a:prstGeom>
+          <a:solidFill>
+            <a:schemeClr val="tx1">
+              <a:lumMod val="85000"/>
+              <a:lumOff val="15000"/>
+            </a:schemeClr>
+          </a:solidFill>
+          <a:ln>
+            <a:solidFill>
+              <a:schemeClr val="tx1">
+                <a:lumMod val="85000"/>
+                <a:lumOff val="15000"/>
+              </a:schemeClr>
+            </a:solidFill>
+          </a:ln>
+          <a:effectLst/>
+        </p:spPr>
+        <p:style>
+          <a:lnRef idx="1">
+            <a:schemeClr val="accent1"/>
+          </a:lnRef>
+          <a:fillRef idx="3">
+            <a:schemeClr val="accent1"/>
+          </a:fillRef>
+          <a:effectRef idx="2">
+            <a:schemeClr val="accent1"/>
+          </a:effectRef>
+          <a:fontRef idx="minor">
+            <a:schemeClr val="lt1"/>
+          </a:fontRef>
+        </p:style>
+        <p:txBody>
+          <a:bodyPr rtlCol="0" anchor="ctr"/>
+          <a:lstStyle/>
+          <a:p>
+            <a:pPr algn="ctr"/>
+            <a:endParaRPr kumimoji="1" lang="ja-JP" altLang="en-US" baseline="30000" dirty="0"/>
+          </a:p>
+        </p:txBody>
+      </p:sp>
+      <p:sp>
+        <p:nvSpPr>
+          <p:cNvPr id="35" name="円/楕円 34"/>
+          <p:cNvSpPr/>
+          <p:nvPr/>
+        </p:nvSpPr>
+        <p:spPr>
+          <a:xfrm>
+            <a:off x="6050267" y="2255417"/>
+            <a:ext cx="88602" cy="88602"/>
+          </a:xfrm>
+          <a:prstGeom prst="ellipse">
+            <a:avLst/>
+          </a:prstGeom>
+          <a:solidFill>
+            <a:schemeClr val="tx1">
+              <a:lumMod val="85000"/>
+              <a:lumOff val="15000"/>
+            </a:schemeClr>
+          </a:solidFill>
+          <a:ln>
+            <a:solidFill>
+              <a:schemeClr val="tx1">
+                <a:lumMod val="85000"/>
+                <a:lumOff val="15000"/>
+              </a:schemeClr>
+            </a:solidFill>
+          </a:ln>
+          <a:effectLst/>
+        </p:spPr>
+        <p:style>
+          <a:lnRef idx="1">
+            <a:schemeClr val="accent1"/>
+          </a:lnRef>
+          <a:fillRef idx="3">
+            <a:schemeClr val="accent1"/>
+          </a:fillRef>
+          <a:effectRef idx="2">
+            <a:schemeClr val="accent1"/>
+          </a:effectRef>
+          <a:fontRef idx="minor">
+            <a:schemeClr val="lt1"/>
+          </a:fontRef>
+        </p:style>
+        <p:txBody>
+          <a:bodyPr rtlCol="0" anchor="ctr"/>
+          <a:lstStyle/>
+          <a:p>
+            <a:pPr algn="ctr"/>
+            <a:endParaRPr kumimoji="1" lang="ja-JP" altLang="en-US" baseline="30000" dirty="0"/>
+          </a:p>
+        </p:txBody>
+      </p:sp>
+      <p:sp>
+        <p:nvSpPr>
+          <p:cNvPr id="36" name="円/楕円 35"/>
+          <p:cNvSpPr/>
+          <p:nvPr/>
+        </p:nvSpPr>
+        <p:spPr>
+          <a:xfrm>
+            <a:off x="3673964" y="2255417"/>
+            <a:ext cx="88602" cy="88602"/>
+          </a:xfrm>
+          <a:prstGeom prst="ellipse">
+            <a:avLst/>
+          </a:prstGeom>
+          <a:solidFill>
+            <a:schemeClr val="tx1">
+              <a:lumMod val="85000"/>
+              <a:lumOff val="15000"/>
+            </a:schemeClr>
+          </a:solidFill>
+          <a:ln>
+            <a:solidFill>
+              <a:schemeClr val="tx1">
+                <a:lumMod val="85000"/>
+                <a:lumOff val="15000"/>
+              </a:schemeClr>
+            </a:solidFill>
+          </a:ln>
+          <a:effectLst/>
+        </p:spPr>
+        <p:style>
+          <a:lnRef idx="1">
+            <a:schemeClr val="accent1"/>
+          </a:lnRef>
+          <a:fillRef idx="3">
+            <a:schemeClr val="accent1"/>
+          </a:fillRef>
+          <a:effectRef idx="2">
+            <a:schemeClr val="accent1"/>
+          </a:effectRef>
+          <a:fontRef idx="minor">
+            <a:schemeClr val="lt1"/>
+          </a:fontRef>
+        </p:style>
+        <p:txBody>
+          <a:bodyPr rtlCol="0" anchor="ctr"/>
+          <a:lstStyle/>
+          <a:p>
+            <a:pPr algn="ctr"/>
+            <a:endParaRPr kumimoji="1" lang="ja-JP" altLang="en-US" baseline="30000" dirty="0"/>
+          </a:p>
+        </p:txBody>
+      </p:sp>
+      <p:sp>
+        <p:nvSpPr>
+          <p:cNvPr id="42" name="円/楕円 41"/>
+          <p:cNvSpPr/>
+          <p:nvPr/>
+        </p:nvSpPr>
+        <p:spPr>
+          <a:xfrm>
+            <a:off x="6645145" y="2258137"/>
+            <a:ext cx="88602" cy="88602"/>
+          </a:xfrm>
+          <a:prstGeom prst="ellipse">
+            <a:avLst/>
+          </a:prstGeom>
+          <a:solidFill>
+            <a:schemeClr val="tx1">
+              <a:lumMod val="85000"/>
+              <a:lumOff val="15000"/>
+            </a:schemeClr>
+          </a:solidFill>
+          <a:ln>
+            <a:solidFill>
+              <a:schemeClr val="tx1">
+                <a:lumMod val="85000"/>
+                <a:lumOff val="15000"/>
+              </a:schemeClr>
+            </a:solidFill>
+          </a:ln>
+          <a:effectLst/>
+        </p:spPr>
+        <p:style>
+          <a:lnRef idx="1">
+            <a:schemeClr val="accent1"/>
+          </a:lnRef>
+          <a:fillRef idx="3">
+            <a:schemeClr val="accent1"/>
+          </a:fillRef>
+          <a:effectRef idx="2">
+            <a:schemeClr val="accent1"/>
+          </a:effectRef>
+          <a:fontRef idx="minor">
+            <a:schemeClr val="lt1"/>
+          </a:fontRef>
+        </p:style>
+        <p:txBody>
+          <a:bodyPr rtlCol="0" anchor="ctr"/>
+          <a:lstStyle/>
+          <a:p>
+            <a:pPr algn="ctr"/>
+            <a:endParaRPr kumimoji="1" lang="ja-JP" altLang="en-US" baseline="30000" dirty="0"/>
+          </a:p>
+        </p:txBody>
+      </p:sp>
     </p:spTree>
     <p:extLst>
       <p:ext uri="{BB962C8B-B14F-4D97-AF65-F5344CB8AC3E}">
